--- a/Textbooks/Arthur Walker Jr..pptx
+++ b/Textbooks/Arthur Walker Jr..pptx
@@ -518,7 +518,7 @@
             </a:r>
             <a:br/>
             <a:r>
-              <a:t>Knight, 3rd edition, Chapter 19</a:t>
+              <a:t>Knight, Physics for Scientists and Engineers: A Strategic Approach with Modern Physics, 3rd Edition, Chapter 19</a:t>
             </a:r>
             <a:br/>
             <a:r>

--- a/Textbooks/Arthur Walker Jr..pptx
+++ b/Textbooks/Arthur Walker Jr..pptx
@@ -519,6 +519,10 @@
             <a:br/>
             <a:r>
               <a:t>Knight, Physics for Scientists and Engineers: A Strategic Approach with Modern Physics, 3rd Edition, Chapter 19</a:t>
+            </a:r>
+            <a:br/>
+            <a:r>
+              <a:t>Knight, Physics for Scientists and Engineers: A Strategic Approach with Modern Physics, 3rd Edition, Chapter 24</a:t>
             </a:r>
             <a:br/>
             <a:r>
